--- a/Python_Latest.pptx
+++ b/Python_Latest.pptx
@@ -5,7 +5,7 @@
     <p:sldMasterId id="2147483648" r:id="rId1"/>
   </p:sldMasterIdLst>
   <p:notesMasterIdLst>
-    <p:notesMasterId r:id="rId22"/>
+    <p:notesMasterId r:id="rId21"/>
   </p:notesMasterIdLst>
   <p:sldIdLst>
     <p:sldId id="257" r:id="rId2"/>
@@ -24,10 +24,9 @@
     <p:sldId id="261" r:id="rId15"/>
     <p:sldId id="272" r:id="rId16"/>
     <p:sldId id="287" r:id="rId17"/>
-    <p:sldId id="292" r:id="rId18"/>
-    <p:sldId id="289" r:id="rId19"/>
-    <p:sldId id="290" r:id="rId20"/>
-    <p:sldId id="281" r:id="rId21"/>
+    <p:sldId id="289" r:id="rId18"/>
+    <p:sldId id="290" r:id="rId19"/>
+    <p:sldId id="281" r:id="rId20"/>
   </p:sldIdLst>
   <p:sldSz cx="12192000" cy="6858000"/>
   <p:notesSz cx="6858000" cy="9144000"/>
@@ -216,7 +215,7 @@
           <a:p>
             <a:fld id="{F00A54E2-3D51-104B-8197-04196794BAA9}" type="datetimeFigureOut">
               <a:rPr lang="en-US" smtClean="0"/>
-              <a:t>6/17/2019</a:t>
+              <a:t>6/14/2019</a:t>
             </a:fld>
             <a:endParaRPr lang="en-US"/>
           </a:p>
@@ -4430,7 +4429,7 @@
                   <a:schemeClr val="bg1"/>
                 </a:solidFill>
               </a:rPr>
-              <a:t>  10 </a:t>
+              <a:t>  </a:t>
             </a:r>
             <a:r>
               <a:rPr lang="nl-NL" sz="2400" b="1" dirty="0" err="1">
@@ -4438,7 +4437,23 @@
                   <a:schemeClr val="bg1"/>
                 </a:solidFill>
               </a:rPr>
-              <a:t>June</a:t>
+              <a:t>day</a:t>
+            </a:r>
+            <a:r>
+              <a:rPr lang="nl-NL" sz="2400" b="1" dirty="0">
+                <a:solidFill>
+                  <a:schemeClr val="bg1"/>
+                </a:solidFill>
+              </a:rPr>
+              <a:t> </a:t>
+            </a:r>
+            <a:r>
+              <a:rPr lang="nl-NL" sz="2400" b="1" dirty="0" err="1">
+                <a:solidFill>
+                  <a:schemeClr val="bg1"/>
+                </a:solidFill>
+              </a:rPr>
+              <a:t>month</a:t>
             </a:r>
             <a:r>
               <a:rPr lang="nl-NL" sz="2400" b="1" dirty="0">
@@ -5590,7 +5605,7 @@
             </a:r>
             <a:r>
               <a:rPr lang="nl-NL" dirty="0" err="1"/>
-              <a:t>collection</a:t>
+              <a:t>colelction</a:t>
             </a:r>
             <a:r>
               <a:rPr lang="nl-NL" dirty="0"/>
@@ -8314,12 +8329,13 @@
             </a:r>
           </a:p>
           <a:p>
-            <a:pPr marL="0" indent="0">
-              <a:buNone/>
-            </a:pPr>
+            <a:r>
+              <a:rPr lang="en-IN" dirty="0" err="1"/>
+              <a:t>alling</a:t>
+            </a:r>
             <a:r>
               <a:rPr lang="en-IN" dirty="0"/>
-              <a:t>Calling a Function</a:t>
+              <a:t> a Function</a:t>
             </a:r>
           </a:p>
           <a:p>
@@ -9490,7 +9506,27 @@
                 <a:latin typeface="Arial" panose="020B0604020202020204" pitchFamily="34" charset="0"/>
                 <a:cs typeface="Arial" panose="020B0604020202020204" pitchFamily="34" charset="0"/>
               </a:rPr>
-              <a:t>Python-MySQL</a:t>
+              <a:t>Python </a:t>
+            </a:r>
+            <a:r>
+              <a:rPr lang="en-US" sz="4000" dirty="0" err="1">
+                <a:solidFill>
+                  <a:srgbClr val="002060"/>
+                </a:solidFill>
+                <a:latin typeface="Arial" panose="020B0604020202020204" pitchFamily="34" charset="0"/>
+                <a:cs typeface="Arial" panose="020B0604020202020204" pitchFamily="34" charset="0"/>
+              </a:rPr>
+              <a:t>WebFrameworks</a:t>
+            </a:r>
+            <a:r>
+              <a:rPr lang="en-US" sz="4000" dirty="0">
+                <a:solidFill>
+                  <a:srgbClr val="002060"/>
+                </a:solidFill>
+                <a:latin typeface="Arial" panose="020B0604020202020204" pitchFamily="34" charset="0"/>
+                <a:cs typeface="Arial" panose="020B0604020202020204" pitchFamily="34" charset="0"/>
+              </a:rPr>
+              <a:t> &amp; IDEs</a:t>
             </a:r>
           </a:p>
         </p:txBody>
@@ -9519,208 +9555,156 @@
         </p:spPr>
         <p:txBody>
           <a:bodyPr>
-            <a:normAutofit fontScale="70000" lnSpcReduction="20000"/>
+            <a:normAutofit fontScale="85000" lnSpcReduction="20000"/>
           </a:bodyPr>
           <a:lstStyle/>
           <a:p>
-            <a:r>
-              <a:rPr lang="en-IN" dirty="0"/>
-              <a:t>Python can be used in database applications..</a:t>
-            </a:r>
-          </a:p>
-          <a:p>
-            <a:r>
-              <a:rPr lang="en-IN" dirty="0"/>
-              <a:t>Python needs a MySQL driver to access the MySQL database.</a:t>
-            </a:r>
+            <a:pPr marL="0" indent="0">
+              <a:buNone/>
+            </a:pPr>
+            <a:r>
+              <a:rPr lang="nl-NL" b="1" dirty="0" err="1"/>
+              <a:t>Frameworks</a:t>
+            </a:r>
+            <a:r>
+              <a:rPr lang="nl-NL" b="1" dirty="0"/>
+              <a:t>:</a:t>
+            </a:r>
+          </a:p>
+          <a:p>
+            <a:pPr marL="0" indent="0">
+              <a:buNone/>
+            </a:pPr>
+            <a:r>
+              <a:rPr lang="nl-NL" dirty="0"/>
+              <a:t>Django</a:t>
+            </a:r>
+          </a:p>
+          <a:p>
+            <a:pPr marL="0" indent="0">
+              <a:buNone/>
+            </a:pPr>
+            <a:r>
+              <a:rPr lang="nl-NL" dirty="0" err="1"/>
+              <a:t>Flask</a:t>
+            </a:r>
+            <a:endParaRPr lang="nl-NL" dirty="0"/>
+          </a:p>
+          <a:p>
+            <a:pPr marL="0" indent="0">
+              <a:buNone/>
+            </a:pPr>
+            <a:r>
+              <a:rPr lang="nl-NL" dirty="0" err="1"/>
+              <a:t>Pylons</a:t>
+            </a:r>
+            <a:endParaRPr lang="nl-NL" dirty="0"/>
+          </a:p>
+          <a:p>
+            <a:pPr marL="0" indent="0">
+              <a:buNone/>
+            </a:pPr>
+            <a:r>
+              <a:rPr lang="nl-NL" dirty="0" err="1"/>
+              <a:t>TurboGears</a:t>
+            </a:r>
+            <a:endParaRPr lang="nl-NL" dirty="0"/>
+          </a:p>
+          <a:p>
+            <a:pPr marL="0" indent="0">
+              <a:buNone/>
+            </a:pPr>
+            <a:r>
+              <a:rPr lang="nl-NL" dirty="0" err="1"/>
+              <a:t>Zope</a:t>
+            </a:r>
+            <a:endParaRPr lang="nl-NL" dirty="0"/>
+          </a:p>
+          <a:p>
+            <a:pPr marL="0" indent="0">
+              <a:buNone/>
+            </a:pPr>
+            <a:r>
+              <a:rPr lang="nl-NL" dirty="0" err="1"/>
+              <a:t>Grok</a:t>
+            </a:r>
+            <a:endParaRPr lang="nl-NL" dirty="0"/>
+          </a:p>
+          <a:p>
+            <a:pPr marL="0" indent="0">
+              <a:buNone/>
+            </a:pPr>
+            <a:r>
+              <a:rPr lang="nl-NL" b="1" dirty="0" err="1"/>
+              <a:t>IDEs</a:t>
+            </a:r>
+            <a:r>
+              <a:rPr lang="nl-NL" b="1" dirty="0"/>
+              <a:t>:</a:t>
+            </a:r>
+          </a:p>
+          <a:p>
+            <a:pPr marL="0" indent="0">
+              <a:buNone/>
+            </a:pPr>
+            <a:r>
+              <a:rPr lang="nl-NL" dirty="0" err="1"/>
+              <a:t>Emacs</a:t>
+            </a:r>
+            <a:endParaRPr lang="nl-NL" dirty="0"/>
+          </a:p>
+          <a:p>
+            <a:pPr marL="0" indent="0">
+              <a:buNone/>
+            </a:pPr>
+            <a:r>
+              <a:rPr lang="nl-NL" dirty="0"/>
+              <a:t>Vim</a:t>
+            </a:r>
+          </a:p>
+          <a:p>
+            <a:pPr marL="0" indent="0">
+              <a:buNone/>
+            </a:pPr>
+            <a:r>
+              <a:rPr lang="nl-NL" dirty="0" err="1"/>
+              <a:t>Komodo</a:t>
+            </a:r>
+            <a:endParaRPr lang="nl-NL" dirty="0"/>
+          </a:p>
+          <a:p>
+            <a:pPr marL="0" indent="0">
+              <a:buNone/>
+            </a:pPr>
+            <a:r>
+              <a:rPr lang="nl-NL" dirty="0" err="1"/>
+              <a:t>Pycharm</a:t>
+            </a:r>
+            <a:endParaRPr lang="nl-NL" dirty="0"/>
+          </a:p>
+          <a:p>
+            <a:pPr marL="0" indent="0">
+              <a:buNone/>
+            </a:pPr>
+            <a:r>
+              <a:rPr lang="nl-NL" dirty="0" err="1"/>
+              <a:t>Eclipse</a:t>
+            </a:r>
+            <a:r>
+              <a:rPr lang="nl-NL" dirty="0"/>
+              <a:t>(</a:t>
+            </a:r>
+            <a:r>
+              <a:rPr lang="nl-NL" dirty="0" err="1"/>
+              <a:t>pyDev</a:t>
+            </a:r>
+            <a:r>
+              <a:rPr lang="nl-NL" dirty="0"/>
+              <a:t>)</a:t>
+            </a:r>
+          </a:p>
+          <a:p>
             <a:endParaRPr lang="en-US" dirty="0"/>
-          </a:p>
-          <a:p>
-            <a:r>
-              <a:rPr lang="en-GB" dirty="0"/>
-              <a:t>Download and install "MySQL Connector":</a:t>
-            </a:r>
-          </a:p>
-          <a:p>
-            <a:pPr marL="0" indent="0">
-              <a:buNone/>
-            </a:pPr>
-            <a:r>
-              <a:rPr lang="en-GB" dirty="0"/>
-              <a:t> C:\Users\</a:t>
-            </a:r>
-            <a:r>
-              <a:rPr lang="en-GB" i="1" dirty="0"/>
-              <a:t>Your Name</a:t>
-            </a:r>
-            <a:r>
-              <a:rPr lang="en-GB" dirty="0"/>
-              <a:t>\</a:t>
-            </a:r>
-            <a:r>
-              <a:rPr lang="en-GB" dirty="0" err="1"/>
-              <a:t>AppData</a:t>
-            </a:r>
-            <a:r>
-              <a:rPr lang="en-GB" dirty="0"/>
-              <a:t>\Local\Programs\Python\Python36-32\Scripts&gt;python -m pip install </a:t>
-            </a:r>
-            <a:r>
-              <a:rPr lang="en-GB" dirty="0" err="1"/>
-              <a:t>mysql</a:t>
-            </a:r>
-            <a:r>
-              <a:rPr lang="en-GB" dirty="0"/>
-              <a:t>-connector</a:t>
-            </a:r>
-          </a:p>
-          <a:p>
-            <a:pPr marL="0" indent="0">
-              <a:buNone/>
-            </a:pPr>
-            <a:r>
-              <a:rPr lang="en-GB" dirty="0"/>
-              <a:t>To Test </a:t>
-            </a:r>
-            <a:r>
-              <a:rPr lang="en-GB" dirty="0" err="1"/>
-              <a:t>sql</a:t>
-            </a:r>
-            <a:r>
-              <a:rPr lang="en-GB" dirty="0"/>
-              <a:t> connector installed or not create file :</a:t>
-            </a:r>
-            <a:r>
-              <a:rPr lang="en-IN" dirty="0"/>
-              <a:t>demo_mysql_test.py</a:t>
-            </a:r>
-          </a:p>
-          <a:p>
-            <a:pPr marL="0" indent="0">
-              <a:buNone/>
-            </a:pPr>
-            <a:r>
-              <a:rPr lang="en-IN" dirty="0"/>
-              <a:t> and add import </a:t>
-            </a:r>
-            <a:r>
-              <a:rPr lang="en-IN" dirty="0" err="1"/>
-              <a:t>mysql.connector</a:t>
-            </a:r>
-            <a:endParaRPr lang="en-IN" dirty="0"/>
-          </a:p>
-          <a:p>
-            <a:pPr marL="0" indent="0">
-              <a:buNone/>
-            </a:pPr>
-            <a:r>
-              <a:rPr lang="en-IN" dirty="0"/>
-              <a:t>Syntax to connect database:</a:t>
-            </a:r>
-          </a:p>
-          <a:p>
-            <a:pPr marL="0" indent="0">
-              <a:buNone/>
-            </a:pPr>
-            <a:r>
-              <a:rPr lang="en-GB" dirty="0"/>
-              <a:t>import </a:t>
-            </a:r>
-            <a:r>
-              <a:rPr lang="en-GB" dirty="0" err="1"/>
-              <a:t>mysql.connector</a:t>
-            </a:r>
-            <a:br>
-              <a:rPr lang="en-GB" dirty="0"/>
-            </a:br>
-            <a:br>
-              <a:rPr lang="en-GB" dirty="0"/>
-            </a:br>
-            <a:r>
-              <a:rPr lang="en-GB" dirty="0" err="1"/>
-              <a:t>mydb</a:t>
-            </a:r>
-            <a:r>
-              <a:rPr lang="en-GB" dirty="0"/>
-              <a:t> = </a:t>
-            </a:r>
-            <a:r>
-              <a:rPr lang="en-GB" dirty="0" err="1"/>
-              <a:t>mysql.connector.connect</a:t>
-            </a:r>
-            <a:r>
-              <a:rPr lang="en-GB" dirty="0"/>
-              <a:t>(</a:t>
-            </a:r>
-            <a:br>
-              <a:rPr lang="en-GB" dirty="0"/>
-            </a:br>
-            <a:r>
-              <a:rPr lang="en-GB" dirty="0"/>
-              <a:t>  host="localhost",</a:t>
-            </a:r>
-            <a:br>
-              <a:rPr lang="en-GB" dirty="0"/>
-            </a:br>
-            <a:r>
-              <a:rPr lang="en-GB" dirty="0"/>
-              <a:t>  user="</a:t>
-            </a:r>
-            <a:r>
-              <a:rPr lang="en-GB" i="1" dirty="0" err="1"/>
-              <a:t>yourusername</a:t>
-            </a:r>
-            <a:r>
-              <a:rPr lang="en-GB" dirty="0"/>
-              <a:t>",</a:t>
-            </a:r>
-            <a:br>
-              <a:rPr lang="en-GB" dirty="0"/>
-            </a:br>
-            <a:r>
-              <a:rPr lang="en-GB" dirty="0"/>
-              <a:t>  passwd="</a:t>
-            </a:r>
-            <a:r>
-              <a:rPr lang="en-GB" i="1" dirty="0" err="1"/>
-              <a:t>yourpassword</a:t>
-            </a:r>
-            <a:r>
-              <a:rPr lang="en-GB" dirty="0"/>
-              <a:t>"</a:t>
-            </a:r>
-            <a:br>
-              <a:rPr lang="en-GB" dirty="0"/>
-            </a:br>
-            <a:r>
-              <a:rPr lang="en-GB" dirty="0"/>
-              <a:t>)</a:t>
-            </a:r>
-            <a:br>
-              <a:rPr lang="en-GB" dirty="0"/>
-            </a:br>
-            <a:br>
-              <a:rPr lang="en-GB" dirty="0"/>
-            </a:br>
-            <a:r>
-              <a:rPr lang="en-GB" dirty="0"/>
-              <a:t>print(</a:t>
-            </a:r>
-            <a:r>
-              <a:rPr lang="en-GB" dirty="0" err="1"/>
-              <a:t>mydb</a:t>
-            </a:r>
-            <a:r>
-              <a:rPr lang="en-GB" dirty="0"/>
-              <a:t>)</a:t>
-            </a:r>
-            <a:endParaRPr lang="en-IN" dirty="0"/>
-          </a:p>
-          <a:p>
-            <a:pPr marL="0" indent="0">
-              <a:buNone/>
-            </a:pPr>
-            <a:endParaRPr lang="en-GB" dirty="0"/>
           </a:p>
           <a:p>
             <a:endParaRPr lang="en-US" dirty="0"/>
@@ -9816,7 +9800,7 @@
                   <a:schemeClr val="bg1"/>
                 </a:solidFill>
               </a:rPr>
-              <a:t>10 June 2019 			</a:t>
+              <a:t>10 June 2019 		</a:t>
             </a:r>
             <a:fld id="{424F8FEC-8B02-B94C-8BF4-EBB5A3A83399}" type="slidenum">
               <a:rPr lang="en-US" b="1" smtClean="0">
@@ -9837,7 +9821,7 @@
     </p:spTree>
     <p:extLst>
       <p:ext uri="{BB962C8B-B14F-4D97-AF65-F5344CB8AC3E}">
-        <p14:creationId xmlns:p14="http://schemas.microsoft.com/office/powerpoint/2010/main" val="600242973"/>
+        <p14:creationId xmlns:p14="http://schemas.microsoft.com/office/powerpoint/2010/main" val="381735614"/>
       </p:ext>
     </p:extLst>
   </p:cSld>
@@ -9938,16 +9922,6 @@
           <a:lstStyle/>
           <a:p>
             <a:r>
-              <a:rPr lang="en-US" sz="4000" dirty="0">
-                <a:solidFill>
-                  <a:srgbClr val="002060"/>
-                </a:solidFill>
-                <a:latin typeface="Arial" panose="020B0604020202020204" pitchFamily="34" charset="0"/>
-                <a:cs typeface="Arial" panose="020B0604020202020204" pitchFamily="34" charset="0"/>
-              </a:rPr>
-              <a:t>Python </a:t>
-            </a:r>
-            <a:r>
               <a:rPr lang="en-US" sz="4000" dirty="0" err="1">
                 <a:solidFill>
                   <a:srgbClr val="002060"/>
@@ -9955,421 +9929,15 @@
                 <a:latin typeface="Arial" panose="020B0604020202020204" pitchFamily="34" charset="0"/>
                 <a:cs typeface="Arial" panose="020B0604020202020204" pitchFamily="34" charset="0"/>
               </a:rPr>
-              <a:t>WebFrameworks</a:t>
-            </a:r>
-            <a:r>
-              <a:rPr lang="en-US" sz="4000" dirty="0">
-                <a:solidFill>
-                  <a:srgbClr val="002060"/>
-                </a:solidFill>
-                <a:latin typeface="Arial" panose="020B0604020202020204" pitchFamily="34" charset="0"/>
-                <a:cs typeface="Arial" panose="020B0604020202020204" pitchFamily="34" charset="0"/>
-              </a:rPr>
-              <a:t> &amp; IDEs</a:t>
-            </a:r>
-          </a:p>
-        </p:txBody>
-      </p:sp>
-      <p:sp>
-        <p:nvSpPr>
-          <p:cNvPr id="3" name="Content Placeholder 2">
-            <a:extLst>
-              <a:ext uri="{FF2B5EF4-FFF2-40B4-BE49-F238E27FC236}">
-                <a16:creationId xmlns:a16="http://schemas.microsoft.com/office/drawing/2014/main" id="{12F276F7-5D10-A940-A1B1-BBF9253813D5}"/>
-              </a:ext>
-            </a:extLst>
-          </p:cNvPr>
-          <p:cNvSpPr>
-            <a:spLocks noGrp="1"/>
-          </p:cNvSpPr>
-          <p:nvPr>
-            <p:ph idx="1"/>
-          </p:nvPr>
-        </p:nvSpPr>
-        <p:spPr>
-          <a:xfrm>
-            <a:off x="838200" y="1219200"/>
-            <a:ext cx="10515600" cy="4957763"/>
-          </a:xfrm>
-        </p:spPr>
-        <p:txBody>
-          <a:bodyPr>
-            <a:normAutofit fontScale="85000" lnSpcReduction="20000"/>
-          </a:bodyPr>
-          <a:lstStyle/>
-          <a:p>
-            <a:pPr marL="0" indent="0">
-              <a:buNone/>
-            </a:pPr>
-            <a:r>
-              <a:rPr lang="nl-NL" b="1" dirty="0" err="1"/>
-              <a:t>Frameworks</a:t>
-            </a:r>
-            <a:r>
-              <a:rPr lang="nl-NL" b="1" dirty="0"/>
-              <a:t>:</a:t>
-            </a:r>
-          </a:p>
-          <a:p>
-            <a:pPr marL="0" indent="0">
-              <a:buNone/>
-            </a:pPr>
-            <a:r>
-              <a:rPr lang="nl-NL" dirty="0"/>
-              <a:t>Django</a:t>
-            </a:r>
-          </a:p>
-          <a:p>
-            <a:pPr marL="0" indent="0">
-              <a:buNone/>
-            </a:pPr>
-            <a:r>
-              <a:rPr lang="nl-NL" dirty="0" err="1"/>
-              <a:t>Flask</a:t>
-            </a:r>
-            <a:endParaRPr lang="nl-NL" dirty="0"/>
-          </a:p>
-          <a:p>
-            <a:pPr marL="0" indent="0">
-              <a:buNone/>
-            </a:pPr>
-            <a:r>
-              <a:rPr lang="nl-NL" dirty="0" err="1"/>
-              <a:t>Pylons</a:t>
-            </a:r>
-            <a:endParaRPr lang="nl-NL" dirty="0"/>
-          </a:p>
-          <a:p>
-            <a:pPr marL="0" indent="0">
-              <a:buNone/>
-            </a:pPr>
-            <a:r>
-              <a:rPr lang="nl-NL" dirty="0" err="1"/>
-              <a:t>TurboGears</a:t>
-            </a:r>
-            <a:endParaRPr lang="nl-NL" dirty="0"/>
-          </a:p>
-          <a:p>
-            <a:pPr marL="0" indent="0">
-              <a:buNone/>
-            </a:pPr>
-            <a:r>
-              <a:rPr lang="nl-NL" dirty="0" err="1"/>
-              <a:t>Zope</a:t>
-            </a:r>
-            <a:endParaRPr lang="nl-NL" dirty="0"/>
-          </a:p>
-          <a:p>
-            <a:pPr marL="0" indent="0">
-              <a:buNone/>
-            </a:pPr>
-            <a:r>
-              <a:rPr lang="nl-NL" dirty="0" err="1"/>
-              <a:t>Grok</a:t>
-            </a:r>
-            <a:endParaRPr lang="nl-NL" dirty="0"/>
-          </a:p>
-          <a:p>
-            <a:pPr marL="0" indent="0">
-              <a:buNone/>
-            </a:pPr>
-            <a:r>
-              <a:rPr lang="nl-NL" b="1" dirty="0" err="1"/>
-              <a:t>IDEs</a:t>
-            </a:r>
-            <a:r>
-              <a:rPr lang="nl-NL" b="1" dirty="0"/>
-              <a:t>:</a:t>
-            </a:r>
-          </a:p>
-          <a:p>
-            <a:pPr marL="0" indent="0">
-              <a:buNone/>
-            </a:pPr>
-            <a:r>
-              <a:rPr lang="nl-NL" dirty="0" err="1"/>
-              <a:t>Emacs</a:t>
-            </a:r>
-            <a:endParaRPr lang="nl-NL" dirty="0"/>
-          </a:p>
-          <a:p>
-            <a:pPr marL="0" indent="0">
-              <a:buNone/>
-            </a:pPr>
-            <a:r>
-              <a:rPr lang="nl-NL" dirty="0"/>
-              <a:t>Vim</a:t>
-            </a:r>
-          </a:p>
-          <a:p>
-            <a:pPr marL="0" indent="0">
-              <a:buNone/>
-            </a:pPr>
-            <a:r>
-              <a:rPr lang="nl-NL" dirty="0" err="1"/>
-              <a:t>Komodo</a:t>
-            </a:r>
-            <a:endParaRPr lang="nl-NL" dirty="0"/>
-          </a:p>
-          <a:p>
-            <a:pPr marL="0" indent="0">
-              <a:buNone/>
-            </a:pPr>
-            <a:r>
-              <a:rPr lang="nl-NL" dirty="0" err="1"/>
-              <a:t>Pycharm</a:t>
-            </a:r>
-            <a:endParaRPr lang="nl-NL" dirty="0"/>
-          </a:p>
-          <a:p>
-            <a:pPr marL="0" indent="0">
-              <a:buNone/>
-            </a:pPr>
-            <a:r>
-              <a:rPr lang="nl-NL" dirty="0" err="1"/>
-              <a:t>Eclipse</a:t>
-            </a:r>
-            <a:r>
-              <a:rPr lang="nl-NL" dirty="0"/>
-              <a:t>(</a:t>
-            </a:r>
-            <a:r>
-              <a:rPr lang="nl-NL" dirty="0" err="1"/>
-              <a:t>pyDev</a:t>
-            </a:r>
-            <a:r>
-              <a:rPr lang="nl-NL" dirty="0"/>
-              <a:t>)</a:t>
-            </a:r>
-          </a:p>
-          <a:p>
-            <a:endParaRPr lang="en-US" dirty="0"/>
-          </a:p>
-          <a:p>
-            <a:endParaRPr lang="en-US" dirty="0"/>
-          </a:p>
-        </p:txBody>
-      </p:sp>
-      <p:sp>
-        <p:nvSpPr>
-          <p:cNvPr id="6" name="Slide Number Placeholder 5">
-            <a:extLst>
-              <a:ext uri="{FF2B5EF4-FFF2-40B4-BE49-F238E27FC236}">
-                <a16:creationId xmlns:a16="http://schemas.microsoft.com/office/drawing/2014/main" id="{F5DFD470-F32E-AC45-B6DF-1112DDE74B09}"/>
-              </a:ext>
-            </a:extLst>
-          </p:cNvPr>
-          <p:cNvSpPr>
-            <a:spLocks noGrp="1"/>
-          </p:cNvSpPr>
-          <p:nvPr>
-            <p:ph type="sldNum" sz="quarter" idx="12"/>
-          </p:nvPr>
-        </p:nvSpPr>
-        <p:spPr/>
-        <p:txBody>
-          <a:bodyPr/>
-          <a:lstStyle/>
-          <a:p>
-            <a:fld id="{C1B0809E-B2E2-B945-8669-66C6D8B2758D}" type="slidenum">
-              <a:rPr lang="en-US" smtClean="0"/>
-              <a:t>18</a:t>
-            </a:fld>
-            <a:endParaRPr lang="en-US"/>
-          </a:p>
-        </p:txBody>
-      </p:sp>
-      <p:sp>
-        <p:nvSpPr>
-          <p:cNvPr id="9" name="Date Placeholder 8">
-            <a:extLst>
-              <a:ext uri="{FF2B5EF4-FFF2-40B4-BE49-F238E27FC236}">
-                <a16:creationId xmlns:a16="http://schemas.microsoft.com/office/drawing/2014/main" id="{005365AC-B820-A44C-AC95-34CB87E90EFB}"/>
-              </a:ext>
-            </a:extLst>
-          </p:cNvPr>
-          <p:cNvSpPr>
-            <a:spLocks noGrp="1"/>
-          </p:cNvSpPr>
-          <p:nvPr>
-            <p:ph type="dt" sz="half" idx="10"/>
-          </p:nvPr>
-        </p:nvSpPr>
-        <p:spPr/>
-        <p:txBody>
-          <a:bodyPr/>
-          <a:lstStyle/>
-          <a:p>
-            <a:r>
-              <a:rPr lang="en-US"/>
-              <a:t>5/26/19</a:t>
-            </a:r>
-          </a:p>
-        </p:txBody>
-      </p:sp>
-      <p:sp>
-        <p:nvSpPr>
-          <p:cNvPr id="10" name="Footer Placeholder 4">
-            <a:extLst>
-              <a:ext uri="{FF2B5EF4-FFF2-40B4-BE49-F238E27FC236}">
-                <a16:creationId xmlns:a16="http://schemas.microsoft.com/office/drawing/2014/main" id="{F707FA0E-54C3-FB45-A1E5-37BB82BE228D}"/>
-              </a:ext>
-            </a:extLst>
-          </p:cNvPr>
-          <p:cNvSpPr>
-            <a:spLocks noGrp="1"/>
-          </p:cNvSpPr>
-          <p:nvPr>
-            <p:ph type="ftr" sz="quarter" idx="11"/>
-          </p:nvPr>
-        </p:nvSpPr>
-        <p:spPr>
-          <a:xfrm>
-            <a:off x="4038599" y="6356350"/>
-            <a:ext cx="6209371" cy="365125"/>
-          </a:xfrm>
-        </p:spPr>
-        <p:txBody>
-          <a:bodyPr/>
-          <a:lstStyle/>
-          <a:p>
-            <a:r>
-              <a:rPr lang="en-US" b="1" dirty="0">
-                <a:solidFill>
-                  <a:schemeClr val="bg1"/>
-                </a:solidFill>
-              </a:rPr>
-              <a:t>10 June 2019 		</a:t>
-            </a:r>
-            <a:fld id="{424F8FEC-8B02-B94C-8BF4-EBB5A3A83399}" type="slidenum">
-              <a:rPr lang="en-US" b="1" smtClean="0">
-                <a:solidFill>
-                  <a:schemeClr val="bg1"/>
-                </a:solidFill>
-              </a:rPr>
-              <a:t>18</a:t>
-            </a:fld>
-            <a:endParaRPr lang="en-US" b="1" dirty="0">
+              <a:t>Resourcea</a:t>
+            </a:r>
+            <a:endParaRPr lang="en-US" sz="4000" dirty="0">
               <a:solidFill>
-                <a:schemeClr val="bg1"/>
+                <a:srgbClr val="002060"/>
               </a:solidFill>
+              <a:latin typeface="Arial" panose="020B0604020202020204" pitchFamily="34" charset="0"/>
+              <a:cs typeface="Arial" panose="020B0604020202020204" pitchFamily="34" charset="0"/>
             </a:endParaRPr>
-          </a:p>
-        </p:txBody>
-      </p:sp>
-    </p:spTree>
-    <p:extLst>
-      <p:ext uri="{BB962C8B-B14F-4D97-AF65-F5344CB8AC3E}">
-        <p14:creationId xmlns:p14="http://schemas.microsoft.com/office/powerpoint/2010/main" val="381735614"/>
-      </p:ext>
-    </p:extLst>
-  </p:cSld>
-  <p:clrMapOvr>
-    <a:masterClrMapping/>
-  </p:clrMapOvr>
-</p:sld>
-</file>
-
-<file path=ppt/slides/slide19.xml><?xml version="1.0" encoding="utf-8"?>
-<p:sld xmlns:a="http://schemas.openxmlformats.org/drawingml/2006/main" xmlns:r="http://schemas.openxmlformats.org/officeDocument/2006/relationships" xmlns:p="http://schemas.openxmlformats.org/presentationml/2006/main">
-  <p:cSld>
-    <p:bg>
-      <p:bgPr>
-        <a:blipFill dpi="0" rotWithShape="1">
-          <a:blip r:embed="rId2">
-            <a:alphaModFix amt="46000"/>
-            <a:lum/>
-          </a:blip>
-          <a:srcRect/>
-          <a:stretch>
-            <a:fillRect t="-60000" b="-60000"/>
-          </a:stretch>
-        </a:blipFill>
-        <a:effectLst/>
-      </p:bgPr>
-    </p:bg>
-    <p:spTree>
-      <p:nvGrpSpPr>
-        <p:cNvPr id="1" name=""/>
-        <p:cNvGrpSpPr/>
-        <p:nvPr/>
-      </p:nvGrpSpPr>
-      <p:grpSpPr>
-        <a:xfrm>
-          <a:off x="0" y="0"/>
-          <a:ext cx="0" cy="0"/>
-          <a:chOff x="0" y="0"/>
-          <a:chExt cx="0" cy="0"/>
-        </a:xfrm>
-      </p:grpSpPr>
-      <p:pic>
-        <p:nvPicPr>
-          <p:cNvPr id="7" name="Picture 6" descr="A picture containing indoor, baseball&#10;&#10;Description automatically generated">
-            <a:extLst>
-              <a:ext uri="{FF2B5EF4-FFF2-40B4-BE49-F238E27FC236}">
-                <a16:creationId xmlns:a16="http://schemas.microsoft.com/office/drawing/2014/main" id="{87D7D7ED-A409-E94E-8D6C-6CF20EDB7028}"/>
-              </a:ext>
-            </a:extLst>
-          </p:cNvPr>
-          <p:cNvPicPr>
-            <a:picLocks noChangeAspect="1"/>
-          </p:cNvPicPr>
-          <p:nvPr/>
-        </p:nvPicPr>
-        <p:blipFill>
-          <a:blip r:embed="rId3"/>
-          <a:stretch>
-            <a:fillRect/>
-          </a:stretch>
-        </p:blipFill>
-        <p:spPr>
-          <a:xfrm>
-            <a:off x="-700086" y="4245709"/>
-            <a:ext cx="13630275" cy="3683854"/>
-          </a:xfrm>
-          <a:prstGeom prst="rect">
-            <a:avLst/>
-          </a:prstGeom>
-        </p:spPr>
-      </p:pic>
-      <p:sp>
-        <p:nvSpPr>
-          <p:cNvPr id="2" name="Title 1">
-            <a:extLst>
-              <a:ext uri="{FF2B5EF4-FFF2-40B4-BE49-F238E27FC236}">
-                <a16:creationId xmlns:a16="http://schemas.microsoft.com/office/drawing/2014/main" id="{DB8A51B2-A560-D14E-AEFE-E856158BE8C2}"/>
-              </a:ext>
-            </a:extLst>
-          </p:cNvPr>
-          <p:cNvSpPr>
-            <a:spLocks noGrp="1"/>
-          </p:cNvSpPr>
-          <p:nvPr>
-            <p:ph type="title"/>
-          </p:nvPr>
-        </p:nvSpPr>
-        <p:spPr>
-          <a:xfrm>
-            <a:off x="838200" y="365125"/>
-            <a:ext cx="10515600" cy="854075"/>
-          </a:xfrm>
-        </p:spPr>
-        <p:txBody>
-          <a:bodyPr>
-            <a:normAutofit/>
-          </a:bodyPr>
-          <a:lstStyle/>
-          <a:p>
-            <a:r>
-              <a:rPr lang="en-US" sz="4000" dirty="0">
-                <a:solidFill>
-                  <a:srgbClr val="002060"/>
-                </a:solidFill>
-                <a:latin typeface="Arial" panose="020B0604020202020204" pitchFamily="34" charset="0"/>
-                <a:cs typeface="Arial" panose="020B0604020202020204" pitchFamily="34" charset="0"/>
-              </a:rPr>
-              <a:t>Resources</a:t>
-            </a:r>
           </a:p>
         </p:txBody>
       </p:sp>
@@ -10449,7 +10017,7 @@
           <a:p>
             <a:fld id="{C1B0809E-B2E2-B945-8669-66C6D8B2758D}" type="slidenum">
               <a:rPr lang="en-US" smtClean="0"/>
-              <a:t>19</a:t>
+              <a:t>18</a:t>
             </a:fld>
             <a:endParaRPr lang="en-US"/>
           </a:p>
@@ -10523,6 +10091,139 @@
                   <a:schemeClr val="bg1"/>
                 </a:solidFill>
               </a:rPr>
+              <a:t>18</a:t>
+            </a:fld>
+            <a:endParaRPr lang="en-US" b="1" dirty="0">
+              <a:solidFill>
+                <a:schemeClr val="bg1"/>
+              </a:solidFill>
+            </a:endParaRPr>
+          </a:p>
+        </p:txBody>
+      </p:sp>
+    </p:spTree>
+    <p:extLst>
+      <p:ext uri="{BB962C8B-B14F-4D97-AF65-F5344CB8AC3E}">
+        <p14:creationId xmlns:p14="http://schemas.microsoft.com/office/powerpoint/2010/main" val="3100786209"/>
+      </p:ext>
+    </p:extLst>
+  </p:cSld>
+  <p:clrMapOvr>
+    <a:masterClrMapping/>
+  </p:clrMapOvr>
+</p:sld>
+</file>
+
+<file path=ppt/slides/slide19.xml><?xml version="1.0" encoding="utf-8"?>
+<p:sld xmlns:a="http://schemas.openxmlformats.org/drawingml/2006/main" xmlns:r="http://schemas.openxmlformats.org/officeDocument/2006/relationships" xmlns:p="http://schemas.openxmlformats.org/presentationml/2006/main">
+  <p:cSld>
+    <p:bg>
+      <p:bgPr>
+        <a:blipFill dpi="0" rotWithShape="1">
+          <a:blip r:embed="rId2">
+            <a:alphaModFix amt="46000"/>
+            <a:lum/>
+          </a:blip>
+          <a:srcRect/>
+          <a:stretch>
+            <a:fillRect t="-9000" b="-9000"/>
+          </a:stretch>
+        </a:blipFill>
+        <a:effectLst/>
+      </p:bgPr>
+    </p:bg>
+    <p:spTree>
+      <p:nvGrpSpPr>
+        <p:cNvPr id="1" name=""/>
+        <p:cNvGrpSpPr/>
+        <p:nvPr/>
+      </p:nvGrpSpPr>
+      <p:grpSpPr>
+        <a:xfrm>
+          <a:off x="0" y="0"/>
+          <a:ext cx="0" cy="0"/>
+          <a:chOff x="0" y="0"/>
+          <a:chExt cx="0" cy="0"/>
+        </a:xfrm>
+      </p:grpSpPr>
+      <p:pic>
+        <p:nvPicPr>
+          <p:cNvPr id="7" name="Picture 6" descr="A picture containing indoor, baseball&#10;&#10;Description automatically generated">
+            <a:extLst>
+              <a:ext uri="{FF2B5EF4-FFF2-40B4-BE49-F238E27FC236}">
+                <a16:creationId xmlns:a16="http://schemas.microsoft.com/office/drawing/2014/main" id="{D3F0B614-B9A1-5443-8B19-55028FDD5833}"/>
+              </a:ext>
+            </a:extLst>
+          </p:cNvPr>
+          <p:cNvPicPr>
+            <a:picLocks noChangeAspect="1"/>
+          </p:cNvPicPr>
+          <p:nvPr/>
+        </p:nvPicPr>
+        <p:blipFill>
+          <a:blip r:embed="rId3"/>
+          <a:stretch>
+            <a:fillRect/>
+          </a:stretch>
+        </p:blipFill>
+        <p:spPr>
+          <a:xfrm>
+            <a:off x="-719138" y="4223406"/>
+            <a:ext cx="13630275" cy="3683854"/>
+          </a:xfrm>
+          <a:prstGeom prst="rect">
+            <a:avLst/>
+          </a:prstGeom>
+        </p:spPr>
+      </p:pic>
+      <p:sp>
+        <p:nvSpPr>
+          <p:cNvPr id="5" name="Footer Placeholder 4">
+            <a:extLst>
+              <a:ext uri="{FF2B5EF4-FFF2-40B4-BE49-F238E27FC236}">
+                <a16:creationId xmlns:a16="http://schemas.microsoft.com/office/drawing/2014/main" id="{14A40D8D-95AB-124F-8C65-BD03B828DF05}"/>
+              </a:ext>
+            </a:extLst>
+          </p:cNvPr>
+          <p:cNvSpPr>
+            <a:spLocks noGrp="1"/>
+          </p:cNvSpPr>
+          <p:nvPr>
+            <p:ph type="ftr" sz="quarter" idx="11"/>
+          </p:nvPr>
+        </p:nvSpPr>
+        <p:spPr>
+          <a:xfrm>
+            <a:off x="4038599" y="6356350"/>
+            <a:ext cx="6209371" cy="365125"/>
+          </a:xfrm>
+        </p:spPr>
+        <p:txBody>
+          <a:bodyPr/>
+          <a:lstStyle/>
+          <a:p>
+            <a:r>
+              <a:rPr lang="en-US" b="1">
+                <a:solidFill>
+                  <a:schemeClr val="bg1"/>
+                </a:solidFill>
+              </a:rPr>
+              <a:t>10 June 2019 </a:t>
+            </a:r>
+            <a:r>
+              <a:rPr lang="en-US" b="1" dirty="0">
+                <a:solidFill>
+                  <a:schemeClr val="bg1"/>
+                </a:solidFill>
+              </a:rPr>
+              <a:t>			</a:t>
+            </a:r>
+            <a:fld id="{424F8FEC-8B02-B94C-8BF4-EBB5A3A83399}" type="slidenum">
+              <a:rPr lang="en-US" b="1" smtClean="0">
+                <a:solidFill>
+                  <a:schemeClr val="bg1"/>
+                </a:solidFill>
+              </a:rPr>
               <a:t>19</a:t>
             </a:fld>
             <a:endParaRPr lang="en-US" b="1" dirty="0">
@@ -10533,10 +10234,173 @@
           </a:p>
         </p:txBody>
       </p:sp>
+      <p:sp>
+        <p:nvSpPr>
+          <p:cNvPr id="6" name="Slide Number Placeholder 5">
+            <a:extLst>
+              <a:ext uri="{FF2B5EF4-FFF2-40B4-BE49-F238E27FC236}">
+                <a16:creationId xmlns:a16="http://schemas.microsoft.com/office/drawing/2014/main" id="{5F992BAB-BF72-1342-A5B4-476812182258}"/>
+              </a:ext>
+            </a:extLst>
+          </p:cNvPr>
+          <p:cNvSpPr>
+            <a:spLocks noGrp="1"/>
+          </p:cNvSpPr>
+          <p:nvPr>
+            <p:ph type="sldNum" sz="quarter" idx="12"/>
+          </p:nvPr>
+        </p:nvSpPr>
+        <p:spPr/>
+        <p:txBody>
+          <a:bodyPr/>
+          <a:lstStyle/>
+          <a:p>
+            <a:fld id="{C1B0809E-B2E2-B945-8669-66C6D8B2758D}" type="slidenum">
+              <a:rPr lang="en-US" smtClean="0"/>
+              <a:t>19</a:t>
+            </a:fld>
+            <a:endParaRPr lang="en-US"/>
+          </a:p>
+        </p:txBody>
+      </p:sp>
+      <p:sp>
+        <p:nvSpPr>
+          <p:cNvPr id="9" name="Titel 1">
+            <a:extLst>
+              <a:ext uri="{FF2B5EF4-FFF2-40B4-BE49-F238E27FC236}">
+                <a16:creationId xmlns:a16="http://schemas.microsoft.com/office/drawing/2014/main" id="{012C4CD8-447E-E34F-BD94-33AA9ED34CE7}"/>
+              </a:ext>
+            </a:extLst>
+          </p:cNvPr>
+          <p:cNvSpPr txBox="1">
+            <a:spLocks/>
+          </p:cNvSpPr>
+          <p:nvPr/>
+        </p:nvSpPr>
+        <p:spPr>
+          <a:xfrm>
+            <a:off x="726692" y="105782"/>
+            <a:ext cx="10457981" cy="895118"/>
+          </a:xfrm>
+          <a:prstGeom prst="rect">
+            <a:avLst/>
+          </a:prstGeom>
+        </p:spPr>
+        <p:txBody>
+          <a:bodyPr vert="horz" lIns="91440" tIns="45720" rIns="91440" bIns="45720" rtlCol="0" anchor="b">
+            <a:normAutofit lnSpcReduction="10000"/>
+          </a:bodyPr>
+          <a:lstStyle>
+            <a:lvl1pPr algn="ctr" defTabSz="914400" rtl="0" eaLnBrk="1" latinLnBrk="0" hangingPunct="1">
+              <a:lnSpc>
+                <a:spcPct val="90000"/>
+              </a:lnSpc>
+              <a:spcBef>
+                <a:spcPct val="0"/>
+              </a:spcBef>
+              <a:buNone/>
+              <a:defRPr sz="6000" kern="1200">
+                <a:solidFill>
+                  <a:schemeClr val="tx1"/>
+                </a:solidFill>
+                <a:latin typeface="+mj-lt"/>
+                <a:ea typeface="+mj-ea"/>
+                <a:cs typeface="+mj-cs"/>
+              </a:defRPr>
+            </a:lvl1pPr>
+          </a:lstStyle>
+          <a:p>
+            <a:r>
+              <a:rPr lang="nl-NL" b="1" dirty="0" err="1"/>
+              <a:t>Questions</a:t>
+            </a:r>
+            <a:r>
+              <a:rPr lang="nl-NL" b="1" dirty="0"/>
+              <a:t>?</a:t>
+            </a:r>
+          </a:p>
+        </p:txBody>
+      </p:sp>
+      <p:sp>
+        <p:nvSpPr>
+          <p:cNvPr id="10" name="TextBox 9">
+            <a:extLst>
+              <a:ext uri="{FF2B5EF4-FFF2-40B4-BE49-F238E27FC236}">
+                <a16:creationId xmlns:a16="http://schemas.microsoft.com/office/drawing/2014/main" id="{DE8B6DDA-7369-C046-98E4-B95C8CD87623}"/>
+              </a:ext>
+            </a:extLst>
+          </p:cNvPr>
+          <p:cNvSpPr txBox="1"/>
+          <p:nvPr/>
+        </p:nvSpPr>
+        <p:spPr>
+          <a:xfrm>
+            <a:off x="144966" y="1000900"/>
+            <a:ext cx="11913684" cy="1209562"/>
+          </a:xfrm>
+          <a:prstGeom prst="rect">
+            <a:avLst/>
+          </a:prstGeom>
+          <a:noFill/>
+        </p:spPr>
+        <p:txBody>
+          <a:bodyPr wrap="square" rtlCol="0">
+            <a:spAutoFit/>
+          </a:bodyPr>
+          <a:lstStyle/>
+          <a:p>
+            <a:pPr>
+              <a:lnSpc>
+                <a:spcPct val="90000"/>
+              </a:lnSpc>
+            </a:pPr>
+            <a:endParaRPr lang="en-US" altLang="en-US" sz="3400" dirty="0">
+              <a:latin typeface="Arial" panose="020B0604020202020204" pitchFamily="34" charset="0"/>
+              <a:cs typeface="Arial" panose="020B0604020202020204" pitchFamily="34" charset="0"/>
+            </a:endParaRPr>
+          </a:p>
+          <a:p>
+            <a:endParaRPr lang="en-US" sz="2400" dirty="0"/>
+          </a:p>
+          <a:p>
+            <a:endParaRPr lang="en-US" dirty="0"/>
+          </a:p>
+        </p:txBody>
+      </p:sp>
+      <p:pic>
+        <p:nvPicPr>
+          <p:cNvPr id="8" name="Tijdelijke aanduiding voor inhoud 4">
+            <a:extLst>
+              <a:ext uri="{FF2B5EF4-FFF2-40B4-BE49-F238E27FC236}">
+                <a16:creationId xmlns:a16="http://schemas.microsoft.com/office/drawing/2014/main" id="{CE87C781-E30E-4948-AF20-A9AF98C46901}"/>
+              </a:ext>
+            </a:extLst>
+          </p:cNvPr>
+          <p:cNvPicPr>
+            <a:picLocks noChangeAspect="1"/>
+          </p:cNvPicPr>
+          <p:nvPr/>
+        </p:nvPicPr>
+        <p:blipFill>
+          <a:blip r:embed="rId4"/>
+          <a:stretch>
+            <a:fillRect/>
+          </a:stretch>
+        </p:blipFill>
+        <p:spPr>
+          <a:xfrm>
+            <a:off x="4106513" y="1364344"/>
+            <a:ext cx="3805587" cy="3698988"/>
+          </a:xfrm>
+          <a:prstGeom prst="rect">
+            <a:avLst/>
+          </a:prstGeom>
+        </p:spPr>
+      </p:pic>
     </p:spTree>
     <p:extLst>
       <p:ext uri="{BB962C8B-B14F-4D97-AF65-F5344CB8AC3E}">
-        <p14:creationId xmlns:p14="http://schemas.microsoft.com/office/powerpoint/2010/main" val="3100786209"/>
+        <p14:creationId xmlns:p14="http://schemas.microsoft.com/office/powerpoint/2010/main" val="3978292158"/>
       </p:ext>
     </p:extLst>
   </p:cSld>
@@ -11057,302 +10921,6 @@
     <p:extLst>
       <p:ext uri="{BB962C8B-B14F-4D97-AF65-F5344CB8AC3E}">
         <p14:creationId xmlns:p14="http://schemas.microsoft.com/office/powerpoint/2010/main" val="1294488021"/>
-      </p:ext>
-    </p:extLst>
-  </p:cSld>
-  <p:clrMapOvr>
-    <a:masterClrMapping/>
-  </p:clrMapOvr>
-</p:sld>
-</file>
-
-<file path=ppt/slides/slide20.xml><?xml version="1.0" encoding="utf-8"?>
-<p:sld xmlns:a="http://schemas.openxmlformats.org/drawingml/2006/main" xmlns:r="http://schemas.openxmlformats.org/officeDocument/2006/relationships" xmlns:p="http://schemas.openxmlformats.org/presentationml/2006/main">
-  <p:cSld>
-    <p:bg>
-      <p:bgPr>
-        <a:blipFill dpi="0" rotWithShape="1">
-          <a:blip r:embed="rId2">
-            <a:alphaModFix amt="46000"/>
-            <a:lum/>
-          </a:blip>
-          <a:srcRect/>
-          <a:stretch>
-            <a:fillRect t="-9000" b="-9000"/>
-          </a:stretch>
-        </a:blipFill>
-        <a:effectLst/>
-      </p:bgPr>
-    </p:bg>
-    <p:spTree>
-      <p:nvGrpSpPr>
-        <p:cNvPr id="1" name=""/>
-        <p:cNvGrpSpPr/>
-        <p:nvPr/>
-      </p:nvGrpSpPr>
-      <p:grpSpPr>
-        <a:xfrm>
-          <a:off x="0" y="0"/>
-          <a:ext cx="0" cy="0"/>
-          <a:chOff x="0" y="0"/>
-          <a:chExt cx="0" cy="0"/>
-        </a:xfrm>
-      </p:grpSpPr>
-      <p:pic>
-        <p:nvPicPr>
-          <p:cNvPr id="7" name="Picture 6" descr="A picture containing indoor, baseball&#10;&#10;Description automatically generated">
-            <a:extLst>
-              <a:ext uri="{FF2B5EF4-FFF2-40B4-BE49-F238E27FC236}">
-                <a16:creationId xmlns:a16="http://schemas.microsoft.com/office/drawing/2014/main" id="{D3F0B614-B9A1-5443-8B19-55028FDD5833}"/>
-              </a:ext>
-            </a:extLst>
-          </p:cNvPr>
-          <p:cNvPicPr>
-            <a:picLocks noChangeAspect="1"/>
-          </p:cNvPicPr>
-          <p:nvPr/>
-        </p:nvPicPr>
-        <p:blipFill>
-          <a:blip r:embed="rId3"/>
-          <a:stretch>
-            <a:fillRect/>
-          </a:stretch>
-        </p:blipFill>
-        <p:spPr>
-          <a:xfrm>
-            <a:off x="-719138" y="4223406"/>
-            <a:ext cx="13630275" cy="3683854"/>
-          </a:xfrm>
-          <a:prstGeom prst="rect">
-            <a:avLst/>
-          </a:prstGeom>
-        </p:spPr>
-      </p:pic>
-      <p:sp>
-        <p:nvSpPr>
-          <p:cNvPr id="5" name="Footer Placeholder 4">
-            <a:extLst>
-              <a:ext uri="{FF2B5EF4-FFF2-40B4-BE49-F238E27FC236}">
-                <a16:creationId xmlns:a16="http://schemas.microsoft.com/office/drawing/2014/main" id="{14A40D8D-95AB-124F-8C65-BD03B828DF05}"/>
-              </a:ext>
-            </a:extLst>
-          </p:cNvPr>
-          <p:cNvSpPr>
-            <a:spLocks noGrp="1"/>
-          </p:cNvSpPr>
-          <p:nvPr>
-            <p:ph type="ftr" sz="quarter" idx="11"/>
-          </p:nvPr>
-        </p:nvSpPr>
-        <p:spPr>
-          <a:xfrm>
-            <a:off x="4038599" y="6356350"/>
-            <a:ext cx="6209371" cy="365125"/>
-          </a:xfrm>
-        </p:spPr>
-        <p:txBody>
-          <a:bodyPr/>
-          <a:lstStyle/>
-          <a:p>
-            <a:r>
-              <a:rPr lang="en-US" b="1">
-                <a:solidFill>
-                  <a:schemeClr val="bg1"/>
-                </a:solidFill>
-              </a:rPr>
-              <a:t>10 June 2019 </a:t>
-            </a:r>
-            <a:r>
-              <a:rPr lang="en-US" b="1" dirty="0">
-                <a:solidFill>
-                  <a:schemeClr val="bg1"/>
-                </a:solidFill>
-              </a:rPr>
-              <a:t>			</a:t>
-            </a:r>
-            <a:fld id="{424F8FEC-8B02-B94C-8BF4-EBB5A3A83399}" type="slidenum">
-              <a:rPr lang="en-US" b="1" smtClean="0">
-                <a:solidFill>
-                  <a:schemeClr val="bg1"/>
-                </a:solidFill>
-              </a:rPr>
-              <a:t>20</a:t>
-            </a:fld>
-            <a:endParaRPr lang="en-US" b="1" dirty="0">
-              <a:solidFill>
-                <a:schemeClr val="bg1"/>
-              </a:solidFill>
-            </a:endParaRPr>
-          </a:p>
-        </p:txBody>
-      </p:sp>
-      <p:sp>
-        <p:nvSpPr>
-          <p:cNvPr id="6" name="Slide Number Placeholder 5">
-            <a:extLst>
-              <a:ext uri="{FF2B5EF4-FFF2-40B4-BE49-F238E27FC236}">
-                <a16:creationId xmlns:a16="http://schemas.microsoft.com/office/drawing/2014/main" id="{5F992BAB-BF72-1342-A5B4-476812182258}"/>
-              </a:ext>
-            </a:extLst>
-          </p:cNvPr>
-          <p:cNvSpPr>
-            <a:spLocks noGrp="1"/>
-          </p:cNvSpPr>
-          <p:nvPr>
-            <p:ph type="sldNum" sz="quarter" idx="12"/>
-          </p:nvPr>
-        </p:nvSpPr>
-        <p:spPr/>
-        <p:txBody>
-          <a:bodyPr/>
-          <a:lstStyle/>
-          <a:p>
-            <a:fld id="{C1B0809E-B2E2-B945-8669-66C6D8B2758D}" type="slidenum">
-              <a:rPr lang="en-US" smtClean="0"/>
-              <a:t>20</a:t>
-            </a:fld>
-            <a:endParaRPr lang="en-US"/>
-          </a:p>
-        </p:txBody>
-      </p:sp>
-      <p:sp>
-        <p:nvSpPr>
-          <p:cNvPr id="9" name="Titel 1">
-            <a:extLst>
-              <a:ext uri="{FF2B5EF4-FFF2-40B4-BE49-F238E27FC236}">
-                <a16:creationId xmlns:a16="http://schemas.microsoft.com/office/drawing/2014/main" id="{012C4CD8-447E-E34F-BD94-33AA9ED34CE7}"/>
-              </a:ext>
-            </a:extLst>
-          </p:cNvPr>
-          <p:cNvSpPr txBox="1">
-            <a:spLocks/>
-          </p:cNvSpPr>
-          <p:nvPr/>
-        </p:nvSpPr>
-        <p:spPr>
-          <a:xfrm>
-            <a:off x="726692" y="105782"/>
-            <a:ext cx="10457981" cy="895118"/>
-          </a:xfrm>
-          <a:prstGeom prst="rect">
-            <a:avLst/>
-          </a:prstGeom>
-        </p:spPr>
-        <p:txBody>
-          <a:bodyPr vert="horz" lIns="91440" tIns="45720" rIns="91440" bIns="45720" rtlCol="0" anchor="b">
-            <a:normAutofit lnSpcReduction="10000"/>
-          </a:bodyPr>
-          <a:lstStyle>
-            <a:lvl1pPr algn="ctr" defTabSz="914400" rtl="0" eaLnBrk="1" latinLnBrk="0" hangingPunct="1">
-              <a:lnSpc>
-                <a:spcPct val="90000"/>
-              </a:lnSpc>
-              <a:spcBef>
-                <a:spcPct val="0"/>
-              </a:spcBef>
-              <a:buNone/>
-              <a:defRPr sz="6000" kern="1200">
-                <a:solidFill>
-                  <a:schemeClr val="tx1"/>
-                </a:solidFill>
-                <a:latin typeface="+mj-lt"/>
-                <a:ea typeface="+mj-ea"/>
-                <a:cs typeface="+mj-cs"/>
-              </a:defRPr>
-            </a:lvl1pPr>
-          </a:lstStyle>
-          <a:p>
-            <a:r>
-              <a:rPr lang="nl-NL" b="1" dirty="0" err="1"/>
-              <a:t>Questions</a:t>
-            </a:r>
-            <a:r>
-              <a:rPr lang="nl-NL" b="1" dirty="0"/>
-              <a:t>?</a:t>
-            </a:r>
-          </a:p>
-        </p:txBody>
-      </p:sp>
-      <p:sp>
-        <p:nvSpPr>
-          <p:cNvPr id="10" name="TextBox 9">
-            <a:extLst>
-              <a:ext uri="{FF2B5EF4-FFF2-40B4-BE49-F238E27FC236}">
-                <a16:creationId xmlns:a16="http://schemas.microsoft.com/office/drawing/2014/main" id="{DE8B6DDA-7369-C046-98E4-B95C8CD87623}"/>
-              </a:ext>
-            </a:extLst>
-          </p:cNvPr>
-          <p:cNvSpPr txBox="1"/>
-          <p:nvPr/>
-        </p:nvSpPr>
-        <p:spPr>
-          <a:xfrm>
-            <a:off x="144966" y="1000900"/>
-            <a:ext cx="11913684" cy="1209562"/>
-          </a:xfrm>
-          <a:prstGeom prst="rect">
-            <a:avLst/>
-          </a:prstGeom>
-          <a:noFill/>
-        </p:spPr>
-        <p:txBody>
-          <a:bodyPr wrap="square" rtlCol="0">
-            <a:spAutoFit/>
-          </a:bodyPr>
-          <a:lstStyle/>
-          <a:p>
-            <a:pPr>
-              <a:lnSpc>
-                <a:spcPct val="90000"/>
-              </a:lnSpc>
-            </a:pPr>
-            <a:endParaRPr lang="en-US" altLang="en-US" sz="3400" dirty="0">
-              <a:latin typeface="Arial" panose="020B0604020202020204" pitchFamily="34" charset="0"/>
-              <a:cs typeface="Arial" panose="020B0604020202020204" pitchFamily="34" charset="0"/>
-            </a:endParaRPr>
-          </a:p>
-          <a:p>
-            <a:endParaRPr lang="en-US" sz="2400" dirty="0"/>
-          </a:p>
-          <a:p>
-            <a:endParaRPr lang="en-US" dirty="0"/>
-          </a:p>
-        </p:txBody>
-      </p:sp>
-      <p:pic>
-        <p:nvPicPr>
-          <p:cNvPr id="8" name="Tijdelijke aanduiding voor inhoud 4">
-            <a:extLst>
-              <a:ext uri="{FF2B5EF4-FFF2-40B4-BE49-F238E27FC236}">
-                <a16:creationId xmlns:a16="http://schemas.microsoft.com/office/drawing/2014/main" id="{CE87C781-E30E-4948-AF20-A9AF98C46901}"/>
-              </a:ext>
-            </a:extLst>
-          </p:cNvPr>
-          <p:cNvPicPr>
-            <a:picLocks noChangeAspect="1"/>
-          </p:cNvPicPr>
-          <p:nvPr/>
-        </p:nvPicPr>
-        <p:blipFill>
-          <a:blip r:embed="rId4"/>
-          <a:stretch>
-            <a:fillRect/>
-          </a:stretch>
-        </p:blipFill>
-        <p:spPr>
-          <a:xfrm>
-            <a:off x="4106513" y="1364344"/>
-            <a:ext cx="3805587" cy="3698988"/>
-          </a:xfrm>
-          <a:prstGeom prst="rect">
-            <a:avLst/>
-          </a:prstGeom>
-        </p:spPr>
-      </p:pic>
-    </p:spTree>
-    <p:extLst>
-      <p:ext uri="{BB962C8B-B14F-4D97-AF65-F5344CB8AC3E}">
-        <p14:creationId xmlns:p14="http://schemas.microsoft.com/office/powerpoint/2010/main" val="3978292158"/>
       </p:ext>
     </p:extLst>
   </p:cSld>
@@ -13637,11 +13205,11 @@
             </a:r>
             <a:r>
               <a:rPr lang="en-US" sz="3200" dirty="0" err="1"/>
-              <a:t>machine.code</a:t>
+              <a:t>machine.codeis</a:t>
             </a:r>
             <a:r>
               <a:rPr lang="en-US" sz="3200" dirty="0"/>
-              <a:t> is automatically  compiled but then it is Interpreted</a:t>
+              <a:t> automatically  compiled but then it is Interpreted</a:t>
             </a:r>
           </a:p>
           <a:p>
@@ -14082,9 +13650,8 @@
           </a:bodyPr>
           <a:lstStyle/>
           <a:p>
-            <a:pPr>
-              <a:buFont typeface="Wingdings" panose="05000000000000000000" pitchFamily="2" charset="2"/>
-              <a:buChar char="Ø"/>
+            <a:pPr marL="0" indent="0">
+              <a:buNone/>
             </a:pPr>
             <a:r>
               <a:rPr lang="en-IN" dirty="0"/>
@@ -14092,9 +13659,8 @@
             </a:r>
           </a:p>
           <a:p>
-            <a:pPr>
-              <a:buFont typeface="Wingdings" panose="05000000000000000000" pitchFamily="2" charset="2"/>
-              <a:buChar char="Ø"/>
+            <a:pPr marL="0" indent="0">
+              <a:buNone/>
             </a:pPr>
             <a:r>
               <a:rPr lang="en-GB" dirty="0">
@@ -14105,9 +13671,8 @@
             <a:endParaRPr lang="en-GB" dirty="0"/>
           </a:p>
           <a:p>
-            <a:pPr>
-              <a:buFont typeface="Wingdings" panose="05000000000000000000" pitchFamily="2" charset="2"/>
-              <a:buChar char="Ø"/>
+            <a:pPr marL="0" indent="0">
+              <a:buNone/>
             </a:pPr>
             <a:r>
               <a:rPr lang="en-GB" dirty="0"/>
@@ -14115,9 +13680,8 @@
             </a:r>
           </a:p>
           <a:p>
-            <a:pPr>
-              <a:buFont typeface="Wingdings" panose="05000000000000000000" pitchFamily="2" charset="2"/>
-              <a:buChar char="Ø"/>
+            <a:pPr marL="0" indent="0">
+              <a:buNone/>
             </a:pPr>
             <a:r>
               <a:rPr lang="en-GB" dirty="0"/>
@@ -14125,9 +13689,8 @@
             </a:r>
           </a:p>
           <a:p>
-            <a:pPr>
-              <a:buFont typeface="Wingdings" panose="05000000000000000000" pitchFamily="2" charset="2"/>
-              <a:buChar char="Ø"/>
+            <a:pPr marL="0" indent="0">
+              <a:buNone/>
             </a:pPr>
             <a:r>
               <a:rPr lang="en-GB" dirty="0"/>
